--- a/Unsupervised Pattern Discovery in Speech.pptx
+++ b/Unsupervised Pattern Discovery in Speech.pptx
@@ -16,7 +16,8 @@
     <p:sldId id="264" r:id="rId10"/>
     <p:sldId id="265" r:id="rId11"/>
     <p:sldId id="266" r:id="rId12"/>
-    <p:sldId id="267" r:id="rId13"/>
+    <p:sldId id="268" r:id="rId13"/>
+    <p:sldId id="267" r:id="rId14"/>
   </p:sldIdLst>
   <p:sldSz cx="12192000" cy="6858000"/>
   <p:notesSz cx="6858000" cy="9144000"/>
@@ -4633,7 +4634,24 @@
           <a:bodyPr/>
           <a:lstStyle/>
           <a:p>
-            <a:endParaRPr lang="en-US"/>
+            <a:r>
+              <a:rPr lang="en-US" dirty="0"/>
+              <a:t>Implemented the whole algorithm in Python 3, using SciPy, </a:t>
+            </a:r>
+            <a:r>
+              <a:rPr lang="en-US" dirty="0" err="1"/>
+              <a:t>librosa</a:t>
+            </a:r>
+            <a:r>
+              <a:rPr lang="en-US" dirty="0"/>
+              <a:t>.</a:t>
+            </a:r>
+          </a:p>
+          <a:p>
+            <a:r>
+              <a:rPr lang="en-US" dirty="0"/>
+              <a:t>With some simplifications to the original proposed algorithm.</a:t>
+            </a:r>
           </a:p>
         </p:txBody>
       </p:sp>
@@ -4740,6 +4758,91 @@
       </p:grpSpPr>
       <p:sp>
         <p:nvSpPr>
+          <p:cNvPr id="2" name="Title 1"/>
+          <p:cNvSpPr>
+            <a:spLocks noGrp="1"/>
+          </p:cNvSpPr>
+          <p:nvPr>
+            <p:ph type="title"/>
+          </p:nvPr>
+        </p:nvSpPr>
+        <p:spPr/>
+        <p:txBody>
+          <a:bodyPr/>
+          <a:lstStyle/>
+          <a:p>
+            <a:r>
+              <a:rPr lang="en-US" dirty="0"/>
+              <a:t>Reference</a:t>
+            </a:r>
+          </a:p>
+        </p:txBody>
+      </p:sp>
+      <p:sp>
+        <p:nvSpPr>
+          <p:cNvPr id="3" name="Content Placeholder 2"/>
+          <p:cNvSpPr>
+            <a:spLocks noGrp="1"/>
+          </p:cNvSpPr>
+          <p:nvPr>
+            <p:ph idx="1"/>
+          </p:nvPr>
+        </p:nvSpPr>
+        <p:spPr/>
+        <p:txBody>
+          <a:bodyPr/>
+          <a:lstStyle/>
+          <a:p>
+            <a:r>
+              <a:rPr lang="en-US" dirty="0"/>
+              <a:t>Park, Alex S., and James R. Glass. "Unsupervised pattern discovery in speech." </a:t>
+            </a:r>
+            <a:r>
+              <a:rPr lang="en-US" i="1" dirty="0"/>
+              <a:t>IEEE Transactions on Audio, Speech, and Language Processing</a:t>
+            </a:r>
+            <a:r>
+              <a:rPr lang="en-US" dirty="0"/>
+              <a:t> 16.1 (2008): 186-197.</a:t>
+            </a:r>
+          </a:p>
+          <a:p>
+            <a:endParaRPr lang="en-US" dirty="0"/>
+          </a:p>
+        </p:txBody>
+      </p:sp>
+    </p:spTree>
+    <p:extLst>
+      <p:ext uri="{BB962C8B-B14F-4D97-AF65-F5344CB8AC3E}">
+        <p14:creationId xmlns:p14="http://schemas.microsoft.com/office/powerpoint/2010/main" val="961375995"/>
+      </p:ext>
+    </p:extLst>
+  </p:cSld>
+  <p:clrMapOvr>
+    <a:masterClrMapping/>
+  </p:clrMapOvr>
+</p:sld>
+</file>
+
+<file path=ppt/slides/slide13.xml><?xml version="1.0" encoding="utf-8"?>
+<p:sld xmlns:a="http://schemas.openxmlformats.org/drawingml/2006/main" xmlns:r="http://schemas.openxmlformats.org/officeDocument/2006/relationships" xmlns:p="http://schemas.openxmlformats.org/presentationml/2006/main">
+  <p:cSld>
+    <p:spTree>
+      <p:nvGrpSpPr>
+        <p:cNvPr id="1" name=""/>
+        <p:cNvGrpSpPr/>
+        <p:nvPr/>
+      </p:nvGrpSpPr>
+      <p:grpSpPr>
+        <a:xfrm>
+          <a:off x="0" y="0"/>
+          <a:ext cx="0" cy="0"/>
+          <a:chOff x="0" y="0"/>
+          <a:chExt cx="0" cy="0"/>
+        </a:xfrm>
+      </p:grpSpPr>
+      <p:sp>
+        <p:nvSpPr>
           <p:cNvPr id="4" name="Title 3"/>
           <p:cNvSpPr>
             <a:spLocks noGrp="1"/>
@@ -5382,7 +5485,7 @@
           <a:p>
             <a:r>
               <a:rPr lang="en-US" dirty="0"/>
-              <a:t>We cannot handle the correlation problem for all sample points, therefore we try to find certain times that are representative.</a:t>
+              <a:t>We cannot handle the correlation problem for all sample points, so we try to find certain time indices that are representative.</a:t>
             </a:r>
           </a:p>
           <a:p>

--- a/Unsupervised Pattern Discovery in Speech.pptx
+++ b/Unsupervised Pattern Discovery in Speech.pptx
@@ -10,14 +10,20 @@
     <p:sldId id="258" r:id="rId4"/>
     <p:sldId id="259" r:id="rId5"/>
     <p:sldId id="260" r:id="rId6"/>
-    <p:sldId id="261" r:id="rId7"/>
-    <p:sldId id="262" r:id="rId8"/>
-    <p:sldId id="263" r:id="rId9"/>
-    <p:sldId id="264" r:id="rId10"/>
-    <p:sldId id="265" r:id="rId11"/>
-    <p:sldId id="266" r:id="rId12"/>
-    <p:sldId id="268" r:id="rId13"/>
-    <p:sldId id="267" r:id="rId14"/>
+    <p:sldId id="270" r:id="rId7"/>
+    <p:sldId id="271" r:id="rId8"/>
+    <p:sldId id="261" r:id="rId9"/>
+    <p:sldId id="273" r:id="rId10"/>
+    <p:sldId id="262" r:id="rId11"/>
+    <p:sldId id="274" r:id="rId12"/>
+    <p:sldId id="272" r:id="rId13"/>
+    <p:sldId id="264" r:id="rId14"/>
+    <p:sldId id="265" r:id="rId15"/>
+    <p:sldId id="269" r:id="rId16"/>
+    <p:sldId id="275" r:id="rId17"/>
+    <p:sldId id="266" r:id="rId18"/>
+    <p:sldId id="268" r:id="rId19"/>
+    <p:sldId id="267" r:id="rId20"/>
   </p:sldIdLst>
   <p:sldSz cx="12192000" cy="6858000"/>
   <p:notesSz cx="6858000" cy="9144000"/>
@@ -116,6 +122,11 @@
       </a:defRPr>
     </a:lvl9pPr>
   </p:defaultTextStyle>
+  <p:extLst>
+    <p:ext uri="{EFAFB233-063F-42B5-8137-9DF3F51BA10A}">
+      <p15:sldGuideLst xmlns:p15="http://schemas.microsoft.com/office/powerpoint/2012/main"/>
+    </p:ext>
+  </p:extLst>
 </p:presentation>
 </file>
 
@@ -336,7 +347,7 @@
           <a:p>
             <a:fld id="{9AB3A824-1A51-4B26-AD58-A6D8E14F6C04}" type="datetimeFigureOut">
               <a:rPr lang="en-US" dirty="0"/>
-              <a:t>6/15/2017</a:t>
+              <a:t>6/16/2017</a:t>
             </a:fld>
             <a:endParaRPr lang="en-US" dirty="0"/>
           </a:p>
@@ -670,7 +681,7 @@
           <a:p>
             <a:fld id="{D857E33E-8B18-4087-B112-809917729534}" type="datetimeFigureOut">
               <a:rPr lang="en-US" dirty="0"/>
-              <a:t>6/15/2017</a:t>
+              <a:t>6/16/2017</a:t>
             </a:fld>
             <a:endParaRPr lang="en-US" dirty="0"/>
           </a:p>
@@ -972,7 +983,7 @@
           <a:p>
             <a:fld id="{D3FFE419-2371-464F-8239-3959401C3561}" type="datetimeFigureOut">
               <a:rPr lang="en-US" dirty="0"/>
-              <a:t>6/15/2017</a:t>
+              <a:t>6/16/2017</a:t>
             </a:fld>
             <a:endParaRPr lang="en-US" dirty="0"/>
           </a:p>
@@ -1219,7 +1230,7 @@
           <a:p>
             <a:fld id="{97D162C4-EDD9-4389-A98B-B87ECEA2A816}" type="datetimeFigureOut">
               <a:rPr lang="en-US" dirty="0"/>
-              <a:t>6/15/2017</a:t>
+              <a:t>6/16/2017</a:t>
             </a:fld>
             <a:endParaRPr lang="en-US" dirty="0"/>
           </a:p>
@@ -1626,7 +1637,7 @@
           <a:p>
             <a:fld id="{3E5059C3-6A89-4494-99FF-5A4D6FFD50EB}" type="datetimeFigureOut">
               <a:rPr lang="en-US" dirty="0"/>
-              <a:t>6/15/2017</a:t>
+              <a:t>6/16/2017</a:t>
             </a:fld>
             <a:endParaRPr lang="en-US" dirty="0"/>
           </a:p>
@@ -1940,7 +1951,7 @@
           <a:p>
             <a:fld id="{CA954B2F-12DE-47F5-8894-472B206D2E1E}" type="datetimeFigureOut">
               <a:rPr lang="en-US" dirty="0"/>
-              <a:t>6/15/2017</a:t>
+              <a:t>6/16/2017</a:t>
             </a:fld>
             <a:endParaRPr lang="en-US" dirty="0"/>
           </a:p>
@@ -2484,7 +2495,7 @@
           <a:p>
             <a:fld id="{3F30E46F-7819-4ACF-B48B-48222C2ACC88}" type="datetimeFigureOut">
               <a:rPr lang="en-US" dirty="0"/>
-              <a:t>6/15/2017</a:t>
+              <a:t>6/16/2017</a:t>
             </a:fld>
             <a:endParaRPr lang="en-US" dirty="0"/>
           </a:p>
@@ -2679,7 +2690,7 @@
           <a:p>
             <a:fld id="{1FAF3416-4057-4DAA-829D-4CA07428D088}" type="datetimeFigureOut">
               <a:rPr lang="en-US" dirty="0"/>
-              <a:t>6/15/2017</a:t>
+              <a:t>6/16/2017</a:t>
             </a:fld>
             <a:endParaRPr lang="en-US" dirty="0"/>
           </a:p>
@@ -2892,7 +2903,7 @@
           <a:p>
             <a:fld id="{921D9284-D300-4297-87F7-E791DCC15DB1}" type="datetimeFigureOut">
               <a:rPr lang="en-US" dirty="0"/>
-              <a:t>6/15/2017</a:t>
+              <a:t>6/16/2017</a:t>
             </a:fld>
             <a:endParaRPr lang="en-US" dirty="0"/>
           </a:p>
@@ -3261,7 +3272,7 @@
           <a:p>
             <a:fld id="{37D525BB-DA17-4BA0-B3C8-3AC3ABC827E6}" type="datetimeFigureOut">
               <a:rPr lang="en-US" dirty="0"/>
-              <a:t>6/15/2017</a:t>
+              <a:t>6/16/2017</a:t>
             </a:fld>
             <a:endParaRPr lang="en-US" dirty="0"/>
           </a:p>
@@ -3664,7 +3675,7 @@
           <a:p>
             <a:fld id="{B16C4C9A-3960-41CF-A4E9-2A8FB932454B}" type="datetimeFigureOut">
               <a:rPr lang="en-US" dirty="0"/>
-              <a:t>6/15/2017</a:t>
+              <a:t>6/16/2017</a:t>
             </a:fld>
             <a:endParaRPr lang="en-US" dirty="0"/>
           </a:p>
@@ -4002,7 +4013,7 @@
           <a:p>
             <a:fld id="{3CBC1C18-307B-4F68-A007-B5B542270E8D}" type="datetimeFigureOut">
               <a:rPr lang="en-US" dirty="0"/>
-              <a:t>6/15/2017</a:t>
+              <a:t>6/16/2017</a:t>
             </a:fld>
             <a:endParaRPr lang="en-US" dirty="0"/>
           </a:p>
@@ -4558,12 +4569,33 @@
             <p:ph type="subTitle" idx="1"/>
           </p:nvPr>
         </p:nvSpPr>
-        <p:spPr/>
-        <p:txBody>
-          <a:bodyPr/>
-          <a:lstStyle/>
-          <a:p>
-            <a:endParaRPr lang="en-US"/>
+        <p:spPr>
+          <a:xfrm>
+            <a:off x="2772274" y="5117450"/>
+            <a:ext cx="5357600" cy="1160213"/>
+          </a:xfrm>
+        </p:spPr>
+        <p:txBody>
+          <a:bodyPr/>
+          <a:lstStyle/>
+          <a:p>
+            <a:r>
+              <a:rPr lang="en-US" dirty="0"/>
+              <a:t>Gu Yu &amp; </a:t>
+            </a:r>
+            <a:r>
+              <a:rPr lang="en-US" dirty="0" err="1"/>
+              <a:t>Lyu</a:t>
+            </a:r>
+            <a:r>
+              <a:rPr lang="en-US" dirty="0"/>
+              <a:t> </a:t>
+            </a:r>
+            <a:r>
+              <a:rPr lang="en-US" dirty="0" err="1"/>
+              <a:t>Kefan</a:t>
+            </a:r>
+            <a:endParaRPr lang="en-US" dirty="0"/>
           </a:p>
         </p:txBody>
       </p:sp>
@@ -4614,7 +4646,15 @@
           <a:p>
             <a:r>
               <a:rPr lang="en-US" dirty="0"/>
-              <a:t>Experiment</a:t>
+              <a:t>3</a:t>
+            </a:r>
+            <a:r>
+              <a:rPr lang="en-US" baseline="30000" dirty="0"/>
+              <a:t>rd</a:t>
+            </a:r>
+            <a:r>
+              <a:rPr lang="en-US" dirty="0"/>
+              <a:t> step: node extraction</a:t>
             </a:r>
           </a:p>
         </p:txBody>
@@ -4636,21 +4676,19 @@
           <a:p>
             <a:r>
               <a:rPr lang="en-US" dirty="0"/>
-              <a:t>Implemented the whole algorithm in Python 3, using SciPy, </a:t>
-            </a:r>
-            <a:r>
-              <a:rPr lang="en-US" dirty="0" err="1"/>
-              <a:t>librosa</a:t>
-            </a:r>
-            <a:r>
-              <a:rPr lang="en-US" dirty="0"/>
-              <a:t>.</a:t>
-            </a:r>
-          </a:p>
-          <a:p>
-            <a:r>
-              <a:rPr lang="en-US" dirty="0"/>
-              <a:t>With some simplifications to the original proposed algorithm.</a:t>
+              <a:t>We cannot handle the correlation problem for all sample points, so we try to find certain time indices that are representative.</a:t>
+            </a:r>
+          </a:p>
+          <a:p>
+            <a:r>
+              <a:rPr lang="en-US" dirty="0"/>
+              <a:t>Sum along columns.</a:t>
+            </a:r>
+          </a:p>
+          <a:p>
+            <a:r>
+              <a:rPr lang="en-US" dirty="0"/>
+              <a:t>Use only local extrema (after smooth).</a:t>
             </a:r>
           </a:p>
         </p:txBody>
@@ -4658,7 +4696,7 @@
     </p:spTree>
     <p:extLst>
       <p:ext uri="{BB962C8B-B14F-4D97-AF65-F5344CB8AC3E}">
-        <p14:creationId xmlns:p14="http://schemas.microsoft.com/office/powerpoint/2010/main" val="2121631854"/>
+        <p14:creationId xmlns:p14="http://schemas.microsoft.com/office/powerpoint/2010/main" val="1547054732"/>
       </p:ext>
     </p:extLst>
   </p:cSld>
@@ -4685,51 +4723,34 @@
           <a:chExt cx="0" cy="0"/>
         </a:xfrm>
       </p:grpSpPr>
-      <p:sp>
-        <p:nvSpPr>
-          <p:cNvPr id="2" name="Title 1"/>
-          <p:cNvSpPr>
-            <a:spLocks noGrp="1"/>
-          </p:cNvSpPr>
-          <p:nvPr>
-            <p:ph type="title"/>
-          </p:nvPr>
-        </p:nvSpPr>
-        <p:spPr/>
-        <p:txBody>
-          <a:bodyPr/>
-          <a:lstStyle/>
-          <a:p>
-            <a:r>
-              <a:rPr lang="en-US" dirty="0"/>
-              <a:t>Experiment</a:t>
-            </a:r>
-          </a:p>
-        </p:txBody>
-      </p:sp>
-      <p:sp>
-        <p:nvSpPr>
-          <p:cNvPr id="3" name="Content Placeholder 2"/>
-          <p:cNvSpPr>
-            <a:spLocks noGrp="1"/>
-          </p:cNvSpPr>
-          <p:nvPr>
-            <p:ph idx="1"/>
-          </p:nvPr>
-        </p:nvSpPr>
-        <p:spPr/>
-        <p:txBody>
-          <a:bodyPr/>
-          <a:lstStyle/>
-          <a:p>
-            <a:endParaRPr lang="en-US"/>
-          </a:p>
-        </p:txBody>
-      </p:sp>
+      <p:pic>
+        <p:nvPicPr>
+          <p:cNvPr id="5" name="Picture 4"/>
+          <p:cNvPicPr>
+            <a:picLocks noChangeAspect="1"/>
+          </p:cNvPicPr>
+          <p:nvPr/>
+        </p:nvPicPr>
+        <p:blipFill>
+          <a:blip r:embed="rId2"/>
+          <a:stretch>
+            <a:fillRect/>
+          </a:stretch>
+        </p:blipFill>
+        <p:spPr>
+          <a:xfrm>
+            <a:off x="0" y="256045"/>
+            <a:ext cx="12192000" cy="6345909"/>
+          </a:xfrm>
+          <a:prstGeom prst="rect">
+            <a:avLst/>
+          </a:prstGeom>
+        </p:spPr>
+      </p:pic>
     </p:spTree>
     <p:extLst>
       <p:ext uri="{BB962C8B-B14F-4D97-AF65-F5344CB8AC3E}">
-        <p14:creationId xmlns:p14="http://schemas.microsoft.com/office/powerpoint/2010/main" val="3253529374"/>
+        <p14:creationId xmlns:p14="http://schemas.microsoft.com/office/powerpoint/2010/main" val="3082553135"/>
       </p:ext>
     </p:extLst>
   </p:cSld>
@@ -4773,6 +4794,820 @@
           <a:p>
             <a:r>
               <a:rPr lang="en-US" dirty="0"/>
+              <a:t>4</a:t>
+            </a:r>
+            <a:r>
+              <a:rPr lang="en-US" baseline="30000" dirty="0"/>
+              <a:t>th</a:t>
+            </a:r>
+            <a:r>
+              <a:rPr lang="en-US" dirty="0"/>
+              <a:t> step: build the graph</a:t>
+            </a:r>
+          </a:p>
+        </p:txBody>
+      </p:sp>
+      <p:sp>
+        <p:nvSpPr>
+          <p:cNvPr id="3" name="Content Placeholder 2"/>
+          <p:cNvSpPr>
+            <a:spLocks noGrp="1"/>
+          </p:cNvSpPr>
+          <p:nvPr>
+            <p:ph idx="1"/>
+          </p:nvPr>
+        </p:nvSpPr>
+        <p:spPr/>
+        <p:txBody>
+          <a:bodyPr/>
+          <a:lstStyle/>
+          <a:p>
+            <a:r>
+              <a:rPr lang="en-US" dirty="0"/>
+              <a:t>A node for each extrema found in last stage.</a:t>
+            </a:r>
+          </a:p>
+          <a:p>
+            <a:r>
+              <a:rPr lang="en-US" dirty="0"/>
+              <a:t>Weight on edge: entry of the HUGE matrix.</a:t>
+            </a:r>
+          </a:p>
+        </p:txBody>
+      </p:sp>
+    </p:spTree>
+    <p:extLst>
+      <p:ext uri="{BB962C8B-B14F-4D97-AF65-F5344CB8AC3E}">
+        <p14:creationId xmlns:p14="http://schemas.microsoft.com/office/powerpoint/2010/main" val="446256226"/>
+      </p:ext>
+    </p:extLst>
+  </p:cSld>
+  <p:clrMapOvr>
+    <a:masterClrMapping/>
+  </p:clrMapOvr>
+</p:sld>
+</file>
+
+<file path=ppt/slides/slide13.xml><?xml version="1.0" encoding="utf-8"?>
+<p:sld xmlns:a="http://schemas.openxmlformats.org/drawingml/2006/main" xmlns:r="http://schemas.openxmlformats.org/officeDocument/2006/relationships" xmlns:p="http://schemas.openxmlformats.org/presentationml/2006/main">
+  <p:cSld>
+    <p:spTree>
+      <p:nvGrpSpPr>
+        <p:cNvPr id="1" name=""/>
+        <p:cNvGrpSpPr/>
+        <p:nvPr/>
+      </p:nvGrpSpPr>
+      <p:grpSpPr>
+        <a:xfrm>
+          <a:off x="0" y="0"/>
+          <a:ext cx="0" cy="0"/>
+          <a:chOff x="0" y="0"/>
+          <a:chExt cx="0" cy="0"/>
+        </a:xfrm>
+      </p:grpSpPr>
+      <p:sp>
+        <p:nvSpPr>
+          <p:cNvPr id="2" name="Title 1"/>
+          <p:cNvSpPr>
+            <a:spLocks noGrp="1"/>
+          </p:cNvSpPr>
+          <p:nvPr>
+            <p:ph type="title"/>
+          </p:nvPr>
+        </p:nvSpPr>
+        <p:spPr/>
+        <p:txBody>
+          <a:bodyPr/>
+          <a:lstStyle/>
+          <a:p>
+            <a:r>
+              <a:rPr lang="en-US" dirty="0"/>
+              <a:t>5</a:t>
+            </a:r>
+            <a:r>
+              <a:rPr lang="en-US" baseline="30000" dirty="0"/>
+              <a:t>th</a:t>
+            </a:r>
+            <a:r>
+              <a:rPr lang="en-US" dirty="0"/>
+              <a:t> step: clustering</a:t>
+            </a:r>
+          </a:p>
+        </p:txBody>
+      </p:sp>
+      <mc:AlternateContent xmlns:mc="http://schemas.openxmlformats.org/markup-compatibility/2006" xmlns:a14="http://schemas.microsoft.com/office/drawing/2010/main">
+        <mc:Choice Requires="a14">
+          <p:sp>
+            <p:nvSpPr>
+              <p:cNvPr id="3" name="Content Placeholder 2"/>
+              <p:cNvSpPr>
+                <a:spLocks noGrp="1"/>
+              </p:cNvSpPr>
+              <p:nvPr>
+                <p:ph idx="1"/>
+              </p:nvPr>
+            </p:nvSpPr>
+            <p:spPr/>
+            <p:txBody>
+              <a:bodyPr/>
+              <a:lstStyle/>
+              <a:p>
+                <a:r>
+                  <a:rPr lang="en-US" altLang="zh-CN" dirty="0"/>
+                  <a:t>Maximize Q=</a:t>
+                </a:r>
+                <a14:m>
+                  <m:oMath xmlns:m="http://schemas.openxmlformats.org/officeDocument/2006/math">
+                    <m:nary>
+                      <m:naryPr>
+                        <m:chr m:val="∑"/>
+                        <m:subHide m:val="on"/>
+                        <m:supHide m:val="on"/>
+                        <m:ctrlPr>
+                          <a:rPr lang="en-US" altLang="zh-CN" i="1" smtClean="0">
+                            <a:latin typeface="Cambria Math" panose="02040503050406030204" pitchFamily="18" charset="0"/>
+                          </a:rPr>
+                        </m:ctrlPr>
+                      </m:naryPr>
+                      <m:sub/>
+                      <m:sup/>
+                      <m:e>
+                        <m:sSub>
+                          <m:sSubPr>
+                            <m:ctrlPr>
+                              <a:rPr lang="en-US" altLang="zh-CN" i="1" smtClean="0">
+                                <a:latin typeface="Cambria Math" panose="02040503050406030204" pitchFamily="18" charset="0"/>
+                              </a:rPr>
+                            </m:ctrlPr>
+                          </m:sSubPr>
+                          <m:e>
+                            <m:r>
+                              <a:rPr lang="en-US" altLang="zh-CN" b="0" i="1" smtClean="0">
+                                <a:latin typeface="Cambria Math" panose="02040503050406030204" pitchFamily="18" charset="0"/>
+                              </a:rPr>
+                              <m:t>𝑒</m:t>
+                            </m:r>
+                          </m:e>
+                          <m:sub>
+                            <m:r>
+                              <a:rPr lang="en-US" altLang="zh-CN" b="0" i="1" smtClean="0">
+                                <a:latin typeface="Cambria Math" panose="02040503050406030204" pitchFamily="18" charset="0"/>
+                              </a:rPr>
+                              <m:t>𝑖𝑖</m:t>
+                            </m:r>
+                          </m:sub>
+                        </m:sSub>
+                        <m:r>
+                          <a:rPr lang="en-US" altLang="zh-CN" b="0" i="1" smtClean="0">
+                            <a:latin typeface="Cambria Math" panose="02040503050406030204" pitchFamily="18" charset="0"/>
+                          </a:rPr>
+                          <m:t>−</m:t>
+                        </m:r>
+                        <m:sSubSup>
+                          <m:sSubSupPr>
+                            <m:ctrlPr>
+                              <a:rPr lang="en-US" altLang="zh-CN" b="0" i="1" smtClean="0">
+                                <a:latin typeface="Cambria Math" panose="02040503050406030204" pitchFamily="18" charset="0"/>
+                              </a:rPr>
+                            </m:ctrlPr>
+                          </m:sSubSupPr>
+                          <m:e>
+                            <m:r>
+                              <a:rPr lang="en-US" altLang="zh-CN" b="0" i="1" smtClean="0">
+                                <a:latin typeface="Cambria Math" panose="02040503050406030204" pitchFamily="18" charset="0"/>
+                              </a:rPr>
+                              <m:t>𝑎</m:t>
+                            </m:r>
+                          </m:e>
+                          <m:sub>
+                            <m:r>
+                              <a:rPr lang="en-US" altLang="zh-CN" b="0" i="1" smtClean="0">
+                                <a:latin typeface="Cambria Math" panose="02040503050406030204" pitchFamily="18" charset="0"/>
+                              </a:rPr>
+                              <m:t>𝑖</m:t>
+                            </m:r>
+                          </m:sub>
+                          <m:sup>
+                            <m:r>
+                              <a:rPr lang="en-US" altLang="zh-CN" b="0" i="1" smtClean="0">
+                                <a:latin typeface="Cambria Math" panose="02040503050406030204" pitchFamily="18" charset="0"/>
+                              </a:rPr>
+                              <m:t>2</m:t>
+                            </m:r>
+                          </m:sup>
+                        </m:sSubSup>
+                      </m:e>
+                    </m:nary>
+                  </m:oMath>
+                </a14:m>
+                <a:endParaRPr lang="en-US" dirty="0"/>
+              </a:p>
+              <a:p>
+                <a:r>
+                  <a:rPr lang="en-US" dirty="0"/>
+                  <a:t>N</a:t>
+                </a:r>
+                <a:r>
+                  <a:rPr lang="en-US" altLang="zh-CN" dirty="0"/>
+                  <a:t>ewman’s algorithm, </a:t>
+                </a:r>
+                <a:r>
+                  <a:rPr lang="en-US" altLang="zh-CN" dirty="0" err="1"/>
+                  <a:t>dQ</a:t>
+                </a:r>
+                <a:r>
+                  <a:rPr lang="en-US" altLang="zh-CN" dirty="0"/>
+                  <a:t>=</a:t>
+                </a:r>
+                <a14:m>
+                  <m:oMath xmlns:m="http://schemas.openxmlformats.org/officeDocument/2006/math">
+                    <m:r>
+                      <a:rPr lang="en-US" altLang="zh-CN" b="0" i="0" smtClean="0">
+                        <a:latin typeface="Cambria Math" panose="02040503050406030204" pitchFamily="18" charset="0"/>
+                      </a:rPr>
+                      <m:t>2</m:t>
+                    </m:r>
+                    <m:sSub>
+                      <m:sSubPr>
+                        <m:ctrlPr>
+                          <a:rPr lang="en-US" altLang="zh-CN" b="0" i="1" smtClean="0">
+                            <a:latin typeface="Cambria Math" panose="02040503050406030204" pitchFamily="18" charset="0"/>
+                          </a:rPr>
+                        </m:ctrlPr>
+                      </m:sSubPr>
+                      <m:e>
+                        <m:r>
+                          <a:rPr lang="en-US" altLang="zh-CN" b="0" i="1" smtClean="0">
+                            <a:latin typeface="Cambria Math" panose="02040503050406030204" pitchFamily="18" charset="0"/>
+                          </a:rPr>
+                          <m:t>𝑒</m:t>
+                        </m:r>
+                      </m:e>
+                      <m:sub>
+                        <m:r>
+                          <a:rPr lang="en-US" altLang="zh-CN" b="0" i="1" smtClean="0">
+                            <a:latin typeface="Cambria Math" panose="02040503050406030204" pitchFamily="18" charset="0"/>
+                          </a:rPr>
+                          <m:t>𝑖</m:t>
+                        </m:r>
+                        <m:r>
+                          <a:rPr lang="en-US" altLang="zh-CN" b="0" i="1" smtClean="0">
+                            <a:latin typeface="Cambria Math" panose="02040503050406030204" pitchFamily="18" charset="0"/>
+                          </a:rPr>
+                          <m:t> </m:t>
+                        </m:r>
+                        <m:r>
+                          <a:rPr lang="en-US" altLang="zh-CN" b="0" i="1" smtClean="0">
+                            <a:latin typeface="Cambria Math" panose="02040503050406030204" pitchFamily="18" charset="0"/>
+                          </a:rPr>
+                          <m:t>𝑗</m:t>
+                        </m:r>
+                      </m:sub>
+                    </m:sSub>
+                    <m:r>
+                      <a:rPr lang="en-US" altLang="zh-CN" b="0" i="1" smtClean="0">
+                        <a:latin typeface="Cambria Math" panose="02040503050406030204" pitchFamily="18" charset="0"/>
+                      </a:rPr>
+                      <m:t>−2</m:t>
+                    </m:r>
+                    <m:sSub>
+                      <m:sSubPr>
+                        <m:ctrlPr>
+                          <a:rPr lang="en-US" altLang="zh-CN" b="0" i="1" smtClean="0">
+                            <a:latin typeface="Cambria Math" panose="02040503050406030204" pitchFamily="18" charset="0"/>
+                          </a:rPr>
+                        </m:ctrlPr>
+                      </m:sSubPr>
+                      <m:e>
+                        <m:r>
+                          <a:rPr lang="en-US" altLang="zh-CN" b="0" i="1" smtClean="0">
+                            <a:latin typeface="Cambria Math" panose="02040503050406030204" pitchFamily="18" charset="0"/>
+                          </a:rPr>
+                          <m:t>𝑎</m:t>
+                        </m:r>
+                      </m:e>
+                      <m:sub>
+                        <m:r>
+                          <a:rPr lang="en-US" altLang="zh-CN" b="0" i="1" smtClean="0">
+                            <a:latin typeface="Cambria Math" panose="02040503050406030204" pitchFamily="18" charset="0"/>
+                          </a:rPr>
+                          <m:t>𝑖</m:t>
+                        </m:r>
+                      </m:sub>
+                    </m:sSub>
+                    <m:sSub>
+                      <m:sSubPr>
+                        <m:ctrlPr>
+                          <a:rPr lang="en-US" altLang="zh-CN" b="0" i="1" smtClean="0">
+                            <a:latin typeface="Cambria Math" panose="02040503050406030204" pitchFamily="18" charset="0"/>
+                          </a:rPr>
+                        </m:ctrlPr>
+                      </m:sSubPr>
+                      <m:e>
+                        <m:r>
+                          <a:rPr lang="en-US" altLang="zh-CN" b="0" i="1" smtClean="0">
+                            <a:latin typeface="Cambria Math" panose="02040503050406030204" pitchFamily="18" charset="0"/>
+                          </a:rPr>
+                          <m:t>𝑎</m:t>
+                        </m:r>
+                      </m:e>
+                      <m:sub>
+                        <m:r>
+                          <a:rPr lang="en-US" altLang="zh-CN" b="0" i="1" smtClean="0">
+                            <a:latin typeface="Cambria Math" panose="02040503050406030204" pitchFamily="18" charset="0"/>
+                          </a:rPr>
+                          <m:t>𝑗</m:t>
+                        </m:r>
+                      </m:sub>
+                    </m:sSub>
+                  </m:oMath>
+                </a14:m>
+                <a:endParaRPr lang="en-US" altLang="zh-CN" dirty="0"/>
+              </a:p>
+              <a:p>
+                <a:r>
+                  <a:rPr lang="en-US" dirty="0"/>
+                  <a:t>Allow </a:t>
+                </a:r>
+                <a:r>
+                  <a:rPr lang="en-US"/>
+                  <a:t>more groups with </a:t>
+                </a:r>
+                <a:r>
+                  <a:rPr lang="en-US" dirty="0"/>
+                  <a:t>same element instead of mixed</a:t>
+                </a:r>
+              </a:p>
+              <a:p>
+                <a:endParaRPr lang="en-US" dirty="0"/>
+              </a:p>
+            </p:txBody>
+          </p:sp>
+        </mc:Choice>
+        <mc:Fallback xmlns="">
+          <p:sp>
+            <p:nvSpPr>
+              <p:cNvPr id="3" name="Content Placeholder 2"/>
+              <p:cNvSpPr>
+                <a:spLocks noGrp="1" noRot="1" noChangeAspect="1" noMove="1" noResize="1" noEditPoints="1" noAdjustHandles="1" noChangeArrowheads="1" noChangeShapeType="1" noTextEdit="1"/>
+              </p:cNvSpPr>
+              <p:nvPr>
+                <p:ph idx="1"/>
+              </p:nvPr>
+            </p:nvSpPr>
+            <p:spPr>
+              <a:blipFill rotWithShape="0">
+                <a:blip r:embed="rId2"/>
+                <a:stretch>
+                  <a:fillRect l="-547"/>
+                </a:stretch>
+              </a:blipFill>
+            </p:spPr>
+            <p:txBody>
+              <a:bodyPr/>
+              <a:lstStyle/>
+              <a:p>
+                <a:r>
+                  <a:rPr lang="zh-CN" altLang="en-US">
+                    <a:noFill/>
+                  </a:rPr>
+                  <a:t> </a:t>
+                </a:r>
+              </a:p>
+            </p:txBody>
+          </p:sp>
+        </mc:Fallback>
+      </mc:AlternateContent>
+    </p:spTree>
+    <p:extLst>
+      <p:ext uri="{BB962C8B-B14F-4D97-AF65-F5344CB8AC3E}">
+        <p14:creationId xmlns:p14="http://schemas.microsoft.com/office/powerpoint/2010/main" val="1346066679"/>
+      </p:ext>
+    </p:extLst>
+  </p:cSld>
+  <p:clrMapOvr>
+    <a:masterClrMapping/>
+  </p:clrMapOvr>
+</p:sld>
+</file>
+
+<file path=ppt/slides/slide14.xml><?xml version="1.0" encoding="utf-8"?>
+<p:sld xmlns:a="http://schemas.openxmlformats.org/drawingml/2006/main" xmlns:r="http://schemas.openxmlformats.org/officeDocument/2006/relationships" xmlns:p="http://schemas.openxmlformats.org/presentationml/2006/main">
+  <p:cSld>
+    <p:spTree>
+      <p:nvGrpSpPr>
+        <p:cNvPr id="1" name=""/>
+        <p:cNvGrpSpPr/>
+        <p:nvPr/>
+      </p:nvGrpSpPr>
+      <p:grpSpPr>
+        <a:xfrm>
+          <a:off x="0" y="0"/>
+          <a:ext cx="0" cy="0"/>
+          <a:chOff x="0" y="0"/>
+          <a:chExt cx="0" cy="0"/>
+        </a:xfrm>
+      </p:grpSpPr>
+      <p:sp>
+        <p:nvSpPr>
+          <p:cNvPr id="2" name="Title 1"/>
+          <p:cNvSpPr>
+            <a:spLocks noGrp="1"/>
+          </p:cNvSpPr>
+          <p:nvPr>
+            <p:ph type="title"/>
+          </p:nvPr>
+        </p:nvSpPr>
+        <p:spPr/>
+        <p:txBody>
+          <a:bodyPr/>
+          <a:lstStyle/>
+          <a:p>
+            <a:r>
+              <a:rPr lang="en-US" dirty="0"/>
+              <a:t>Experiment</a:t>
+            </a:r>
+          </a:p>
+        </p:txBody>
+      </p:sp>
+      <p:sp>
+        <p:nvSpPr>
+          <p:cNvPr id="3" name="Content Placeholder 2"/>
+          <p:cNvSpPr>
+            <a:spLocks noGrp="1"/>
+          </p:cNvSpPr>
+          <p:nvPr>
+            <p:ph idx="1"/>
+          </p:nvPr>
+        </p:nvSpPr>
+        <p:spPr/>
+        <p:txBody>
+          <a:bodyPr/>
+          <a:lstStyle/>
+          <a:p>
+            <a:r>
+              <a:rPr lang="en-US" dirty="0"/>
+              <a:t>Implemented the whole algorithm in Python 3, using SciPy, </a:t>
+            </a:r>
+            <a:r>
+              <a:rPr lang="en-US" dirty="0" err="1"/>
+              <a:t>librosa</a:t>
+            </a:r>
+            <a:r>
+              <a:rPr lang="en-US" dirty="0"/>
+              <a:t>.</a:t>
+            </a:r>
+          </a:p>
+          <a:p>
+            <a:r>
+              <a:rPr lang="en-US" dirty="0"/>
+              <a:t>With some simplifications to the original proposed algorithm.</a:t>
+            </a:r>
+          </a:p>
+        </p:txBody>
+      </p:sp>
+    </p:spTree>
+    <p:extLst>
+      <p:ext uri="{BB962C8B-B14F-4D97-AF65-F5344CB8AC3E}">
+        <p14:creationId xmlns:p14="http://schemas.microsoft.com/office/powerpoint/2010/main" val="2121631854"/>
+      </p:ext>
+    </p:extLst>
+  </p:cSld>
+  <p:clrMapOvr>
+    <a:masterClrMapping/>
+  </p:clrMapOvr>
+</p:sld>
+</file>
+
+<file path=ppt/slides/slide15.xml><?xml version="1.0" encoding="utf-8"?>
+<p:sld xmlns:a="http://schemas.openxmlformats.org/drawingml/2006/main" xmlns:r="http://schemas.openxmlformats.org/officeDocument/2006/relationships" xmlns:p="http://schemas.openxmlformats.org/presentationml/2006/main">
+  <p:cSld>
+    <p:spTree>
+      <p:nvGrpSpPr>
+        <p:cNvPr id="1" name=""/>
+        <p:cNvGrpSpPr/>
+        <p:nvPr/>
+      </p:nvGrpSpPr>
+      <p:grpSpPr>
+        <a:xfrm>
+          <a:off x="0" y="0"/>
+          <a:ext cx="0" cy="0"/>
+          <a:chOff x="0" y="0"/>
+          <a:chExt cx="0" cy="0"/>
+        </a:xfrm>
+      </p:grpSpPr>
+      <mc:AlternateContent xmlns:mc="http://schemas.openxmlformats.org/markup-compatibility/2006">
+        <mc:Choice xmlns:a14="http://schemas.microsoft.com/office/drawing/2010/main" Requires="a14">
+          <p:sp>
+            <p:nvSpPr>
+              <p:cNvPr id="2" name="Title 1"/>
+              <p:cNvSpPr>
+                <a:spLocks noGrp="1"/>
+              </p:cNvSpPr>
+              <p:nvPr>
+                <p:ph type="title"/>
+              </p:nvPr>
+            </p:nvSpPr>
+            <p:spPr/>
+            <p:txBody>
+              <a:bodyPr/>
+              <a:lstStyle/>
+              <a:p>
+                <a:pPr/>
+                <a14:m>
+                  <m:oMath xmlns:m="http://schemas.openxmlformats.org/officeDocument/2006/math">
+                    <m:r>
+                      <a:rPr lang="el-GR" i="1" smtClean="0">
+                        <a:latin typeface="Cambria Math" panose="02040503050406030204" pitchFamily="18" charset="0"/>
+                      </a:rPr>
+                      <m:t>𝜋</m:t>
+                    </m:r>
+                  </m:oMath>
+                </a14:m>
+                <a:r>
+                  <a:rPr lang="en-US" dirty="0"/>
+                  <a:t>-digits dataset</a:t>
+                </a:r>
+              </a:p>
+            </p:txBody>
+          </p:sp>
+        </mc:Choice>
+        <mc:Fallback>
+          <p:sp>
+            <p:nvSpPr>
+              <p:cNvPr id="2" name="Title 1"/>
+              <p:cNvSpPr>
+                <a:spLocks noGrp="1" noRot="1" noChangeAspect="1" noMove="1" noResize="1" noEditPoints="1" noAdjustHandles="1" noChangeArrowheads="1" noChangeShapeType="1" noTextEdit="1"/>
+              </p:cNvSpPr>
+              <p:nvPr>
+                <p:ph type="title"/>
+              </p:nvPr>
+            </p:nvSpPr>
+            <p:spPr>
+              <a:blipFill>
+                <a:blip r:embed="rId2"/>
+                <a:stretch>
+                  <a:fillRect t="-13636" r="-2067"/>
+                </a:stretch>
+              </a:blipFill>
+            </p:spPr>
+            <p:txBody>
+              <a:bodyPr/>
+              <a:lstStyle/>
+              <a:p>
+                <a:r>
+                  <a:rPr lang="en-US">
+                    <a:noFill/>
+                  </a:rPr>
+                  <a:t> </a:t>
+                </a:r>
+              </a:p>
+            </p:txBody>
+          </p:sp>
+        </mc:Fallback>
+      </mc:AlternateContent>
+      <p:sp>
+        <p:nvSpPr>
+          <p:cNvPr id="3" name="Content Placeholder 2"/>
+          <p:cNvSpPr>
+            <a:spLocks noGrp="1"/>
+          </p:cNvSpPr>
+          <p:nvPr>
+            <p:ph idx="1"/>
+          </p:nvPr>
+        </p:nvSpPr>
+        <p:spPr/>
+        <p:txBody>
+          <a:bodyPr/>
+          <a:lstStyle/>
+          <a:p>
+            <a:r>
+              <a:rPr lang="en-US" dirty="0"/>
+              <a:t>Easy to debug</a:t>
+            </a:r>
+          </a:p>
+          <a:p>
+            <a:r>
+              <a:rPr lang="en-US" dirty="0"/>
+              <a:t>Small Vocabulary</a:t>
+            </a:r>
+          </a:p>
+          <a:p>
+            <a:r>
+              <a:rPr lang="en-US" dirty="0"/>
+              <a:t>monosyllabic words</a:t>
+            </a:r>
+          </a:p>
+          <a:p>
+            <a:r>
+              <a:rPr lang="en-US" dirty="0"/>
+              <a:t>approachable output</a:t>
+            </a:r>
+          </a:p>
+          <a:p>
+            <a:r>
+              <a:rPr lang="en-US" dirty="0"/>
+              <a:t>Yet reflects challenges of the problem</a:t>
+            </a:r>
+          </a:p>
+        </p:txBody>
+      </p:sp>
+    </p:spTree>
+    <p:extLst>
+      <p:ext uri="{BB962C8B-B14F-4D97-AF65-F5344CB8AC3E}">
+        <p14:creationId xmlns:p14="http://schemas.microsoft.com/office/powerpoint/2010/main" val="592475688"/>
+      </p:ext>
+    </p:extLst>
+  </p:cSld>
+  <p:clrMapOvr>
+    <a:masterClrMapping/>
+  </p:clrMapOvr>
+</p:sld>
+</file>
+
+<file path=ppt/slides/slide16.xml><?xml version="1.0" encoding="utf-8"?>
+<p:sld xmlns:a="http://schemas.openxmlformats.org/drawingml/2006/main" xmlns:r="http://schemas.openxmlformats.org/officeDocument/2006/relationships" xmlns:p="http://schemas.openxmlformats.org/presentationml/2006/main">
+  <p:cSld>
+    <p:spTree>
+      <p:nvGrpSpPr>
+        <p:cNvPr id="1" name=""/>
+        <p:cNvGrpSpPr/>
+        <p:nvPr/>
+      </p:nvGrpSpPr>
+      <p:grpSpPr>
+        <a:xfrm>
+          <a:off x="0" y="0"/>
+          <a:ext cx="0" cy="0"/>
+          <a:chOff x="0" y="0"/>
+          <a:chExt cx="0" cy="0"/>
+        </a:xfrm>
+      </p:grpSpPr>
+      <p:sp>
+        <p:nvSpPr>
+          <p:cNvPr id="4" name="Title 3"/>
+          <p:cNvSpPr>
+            <a:spLocks noGrp="1"/>
+          </p:cNvSpPr>
+          <p:nvPr>
+            <p:ph type="title"/>
+          </p:nvPr>
+        </p:nvSpPr>
+        <p:spPr/>
+        <p:txBody>
+          <a:bodyPr/>
+          <a:lstStyle/>
+          <a:p>
+            <a:r>
+              <a:rPr lang="en-US" dirty="0"/>
+              <a:t>Let us go through the process!</a:t>
+            </a:r>
+          </a:p>
+        </p:txBody>
+      </p:sp>
+      <p:sp>
+        <p:nvSpPr>
+          <p:cNvPr id="5" name="Text Placeholder 4"/>
+          <p:cNvSpPr>
+            <a:spLocks noGrp="1"/>
+          </p:cNvSpPr>
+          <p:nvPr>
+            <p:ph type="body" idx="1"/>
+          </p:nvPr>
+        </p:nvSpPr>
+        <p:spPr/>
+        <p:txBody>
+          <a:bodyPr/>
+          <a:lstStyle/>
+          <a:p>
+            <a:endParaRPr lang="en-US"/>
+          </a:p>
+        </p:txBody>
+      </p:sp>
+    </p:spTree>
+    <p:extLst>
+      <p:ext uri="{BB962C8B-B14F-4D97-AF65-F5344CB8AC3E}">
+        <p14:creationId xmlns:p14="http://schemas.microsoft.com/office/powerpoint/2010/main" val="3821130338"/>
+      </p:ext>
+    </p:extLst>
+  </p:cSld>
+  <p:clrMapOvr>
+    <a:masterClrMapping/>
+  </p:clrMapOvr>
+</p:sld>
+</file>
+
+<file path=ppt/slides/slide17.xml><?xml version="1.0" encoding="utf-8"?>
+<p:sld xmlns:a="http://schemas.openxmlformats.org/drawingml/2006/main" xmlns:r="http://schemas.openxmlformats.org/officeDocument/2006/relationships" xmlns:p="http://schemas.openxmlformats.org/presentationml/2006/main">
+  <p:cSld>
+    <p:spTree>
+      <p:nvGrpSpPr>
+        <p:cNvPr id="1" name=""/>
+        <p:cNvGrpSpPr/>
+        <p:nvPr/>
+      </p:nvGrpSpPr>
+      <p:grpSpPr>
+        <a:xfrm>
+          <a:off x="0" y="0"/>
+          <a:ext cx="0" cy="0"/>
+          <a:chOff x="0" y="0"/>
+          <a:chExt cx="0" cy="0"/>
+        </a:xfrm>
+      </p:grpSpPr>
+      <p:sp>
+        <p:nvSpPr>
+          <p:cNvPr id="2" name="Title 1"/>
+          <p:cNvSpPr>
+            <a:spLocks noGrp="1"/>
+          </p:cNvSpPr>
+          <p:nvPr>
+            <p:ph type="title"/>
+          </p:nvPr>
+        </p:nvSpPr>
+        <p:spPr/>
+        <p:txBody>
+          <a:bodyPr/>
+          <a:lstStyle/>
+          <a:p>
+            <a:r>
+              <a:rPr lang="en-US" dirty="0"/>
+              <a:t>Experiment</a:t>
+            </a:r>
+          </a:p>
+        </p:txBody>
+      </p:sp>
+      <p:pic>
+        <p:nvPicPr>
+          <p:cNvPr id="10" name="Content Placeholder 9"/>
+          <p:cNvPicPr>
+            <a:picLocks noGrp="1" noChangeAspect="1"/>
+          </p:cNvPicPr>
+          <p:nvPr>
+            <p:ph idx="1"/>
+          </p:nvPr>
+        </p:nvPicPr>
+        <p:blipFill>
+          <a:blip r:embed="rId2"/>
+          <a:stretch>
+            <a:fillRect/>
+          </a:stretch>
+        </p:blipFill>
+        <p:spPr>
+          <a:xfrm>
+            <a:off x="2841440" y="1885285"/>
+            <a:ext cx="4510830" cy="4206596"/>
+          </a:xfrm>
+          <a:prstGeom prst="rect">
+            <a:avLst/>
+          </a:prstGeom>
+        </p:spPr>
+      </p:pic>
+    </p:spTree>
+    <p:extLst>
+      <p:ext uri="{BB962C8B-B14F-4D97-AF65-F5344CB8AC3E}">
+        <p14:creationId xmlns:p14="http://schemas.microsoft.com/office/powerpoint/2010/main" val="3253529374"/>
+      </p:ext>
+    </p:extLst>
+  </p:cSld>
+  <p:clrMapOvr>
+    <a:masterClrMapping/>
+  </p:clrMapOvr>
+</p:sld>
+</file>
+
+<file path=ppt/slides/slide18.xml><?xml version="1.0" encoding="utf-8"?>
+<p:sld xmlns:a="http://schemas.openxmlformats.org/drawingml/2006/main" xmlns:r="http://schemas.openxmlformats.org/officeDocument/2006/relationships" xmlns:p="http://schemas.openxmlformats.org/presentationml/2006/main">
+  <p:cSld>
+    <p:spTree>
+      <p:nvGrpSpPr>
+        <p:cNvPr id="1" name=""/>
+        <p:cNvGrpSpPr/>
+        <p:nvPr/>
+      </p:nvGrpSpPr>
+      <p:grpSpPr>
+        <a:xfrm>
+          <a:off x="0" y="0"/>
+          <a:ext cx="0" cy="0"/>
+          <a:chOff x="0" y="0"/>
+          <a:chExt cx="0" cy="0"/>
+        </a:xfrm>
+      </p:grpSpPr>
+      <p:sp>
+        <p:nvSpPr>
+          <p:cNvPr id="2" name="Title 1"/>
+          <p:cNvSpPr>
+            <a:spLocks noGrp="1"/>
+          </p:cNvSpPr>
+          <p:nvPr>
+            <p:ph type="title"/>
+          </p:nvPr>
+        </p:nvSpPr>
+        <p:spPr/>
+        <p:txBody>
+          <a:bodyPr/>
+          <a:lstStyle/>
+          <a:p>
+            <a:r>
+              <a:rPr lang="en-US" dirty="0"/>
               <a:t>Reference</a:t>
             </a:r>
           </a:p>
@@ -4824,7 +5659,7 @@
 </p:sld>
 </file>
 
-<file path=ppt/slides/slide13.xml><?xml version="1.0" encoding="utf-8"?>
+<file path=ppt/slides/slide19.xml><?xml version="1.0" encoding="utf-8"?>
 <p:sld xmlns:a="http://schemas.openxmlformats.org/drawingml/2006/main" xmlns:r="http://schemas.openxmlformats.org/officeDocument/2006/relationships" xmlns:p="http://schemas.openxmlformats.org/presentationml/2006/main">
   <p:cSld>
     <p:spTree>
@@ -5380,38 +6215,33 @@
           </a:p>
         </p:txBody>
       </p:sp>
-      <p:sp>
-        <p:nvSpPr>
-          <p:cNvPr id="3" name="Content Placeholder 2"/>
-          <p:cNvSpPr>
-            <a:spLocks noGrp="1"/>
-          </p:cNvSpPr>
+      <p:pic>
+        <p:nvPicPr>
+          <p:cNvPr id="9" name="Content Placeholder 8"/>
+          <p:cNvPicPr>
+            <a:picLocks noGrp="1" noChangeAspect="1"/>
+          </p:cNvPicPr>
           <p:nvPr>
             <p:ph idx="1"/>
           </p:nvPr>
-        </p:nvSpPr>
-        <p:spPr/>
-        <p:txBody>
-          <a:bodyPr/>
-          <a:lstStyle/>
-          <a:p>
-            <a:r>
-              <a:rPr lang="en-US" dirty="0"/>
-              <a:t>Do the above to every pair of fragments.</a:t>
-            </a:r>
-          </a:p>
-          <a:p>
-            <a:r>
-              <a:rPr lang="en-US" dirty="0"/>
-              <a:t>Now we are left with many paths for these pairs</a:t>
-            </a:r>
-          </a:p>
-        </p:txBody>
-      </p:sp>
+        </p:nvPicPr>
+        <p:blipFill>
+          <a:blip r:embed="rId2"/>
+          <a:stretch>
+            <a:fillRect/>
+          </a:stretch>
+        </p:blipFill>
+        <p:spPr>
+          <a:xfrm>
+            <a:off x="3848358" y="2052638"/>
+            <a:ext cx="5646221" cy="3997325"/>
+          </a:xfrm>
+        </p:spPr>
+      </p:pic>
     </p:spTree>
     <p:extLst>
       <p:ext uri="{BB962C8B-B14F-4D97-AF65-F5344CB8AC3E}">
-        <p14:creationId xmlns:p14="http://schemas.microsoft.com/office/powerpoint/2010/main" val="1124249094"/>
+        <p14:creationId xmlns:p14="http://schemas.microsoft.com/office/powerpoint/2010/main" val="1240504076"/>
       </p:ext>
     </p:extLst>
   </p:cSld>
@@ -5455,57 +6285,46 @@
           <a:p>
             <a:r>
               <a:rPr lang="en-US" dirty="0"/>
-              <a:t>3</a:t>
+              <a:t>2</a:t>
             </a:r>
             <a:r>
               <a:rPr lang="en-US" baseline="30000" dirty="0"/>
-              <a:t>rd</a:t>
-            </a:r>
-            <a:r>
-              <a:rPr lang="en-US" dirty="0"/>
-              <a:t> step: node extraction</a:t>
-            </a:r>
-          </a:p>
-        </p:txBody>
-      </p:sp>
-      <p:sp>
-        <p:nvSpPr>
-          <p:cNvPr id="3" name="Content Placeholder 2"/>
-          <p:cNvSpPr>
-            <a:spLocks noGrp="1"/>
-          </p:cNvSpPr>
+              <a:t>nd</a:t>
+            </a:r>
+            <a:r>
+              <a:rPr lang="en-US" dirty="0"/>
+              <a:t> step: match between fragment pair</a:t>
+            </a:r>
+          </a:p>
+        </p:txBody>
+      </p:sp>
+      <p:pic>
+        <p:nvPicPr>
+          <p:cNvPr id="8" name="Content Placeholder 7"/>
+          <p:cNvPicPr>
+            <a:picLocks noGrp="1" noChangeAspect="1"/>
+          </p:cNvPicPr>
           <p:nvPr>
             <p:ph idx="1"/>
           </p:nvPr>
-        </p:nvSpPr>
-        <p:spPr/>
-        <p:txBody>
-          <a:bodyPr/>
-          <a:lstStyle/>
-          <a:p>
-            <a:r>
-              <a:rPr lang="en-US" dirty="0"/>
-              <a:t>We cannot handle the correlation problem for all sample points, so we try to find certain time indices that are representative.</a:t>
-            </a:r>
-          </a:p>
-          <a:p>
-            <a:r>
-              <a:rPr lang="en-US" dirty="0"/>
-              <a:t>Sum along columns.</a:t>
-            </a:r>
-          </a:p>
-          <a:p>
-            <a:r>
-              <a:rPr lang="en-US" dirty="0"/>
-              <a:t>Use only local extrema (after smooth).</a:t>
-            </a:r>
-          </a:p>
-        </p:txBody>
-      </p:sp>
+        </p:nvPicPr>
+        <p:blipFill>
+          <a:blip r:embed="rId2"/>
+          <a:stretch>
+            <a:fillRect/>
+          </a:stretch>
+        </p:blipFill>
+        <p:spPr>
+          <a:xfrm>
+            <a:off x="3848359" y="2052638"/>
+            <a:ext cx="5646220" cy="3997325"/>
+          </a:xfrm>
+        </p:spPr>
+      </p:pic>
     </p:spTree>
     <p:extLst>
       <p:ext uri="{BB962C8B-B14F-4D97-AF65-F5344CB8AC3E}">
-        <p14:creationId xmlns:p14="http://schemas.microsoft.com/office/powerpoint/2010/main" val="1547054732"/>
+        <p14:creationId xmlns:p14="http://schemas.microsoft.com/office/powerpoint/2010/main" val="2002924735"/>
       </p:ext>
     </p:extLst>
   </p:cSld>
@@ -5549,15 +6368,15 @@
           <a:p>
             <a:r>
               <a:rPr lang="en-US" dirty="0"/>
-              <a:t>4</a:t>
+              <a:t>2</a:t>
             </a:r>
             <a:r>
               <a:rPr lang="en-US" baseline="30000" dirty="0"/>
-              <a:t>th</a:t>
-            </a:r>
-            <a:r>
-              <a:rPr lang="en-US" dirty="0"/>
-              <a:t> step: build the graph</a:t>
+              <a:t>nd</a:t>
+            </a:r>
+            <a:r>
+              <a:rPr lang="en-US" dirty="0"/>
+              <a:t> step: match between fragment pair</a:t>
             </a:r>
           </a:p>
         </p:txBody>
@@ -5579,21 +6398,24 @@
           <a:p>
             <a:r>
               <a:rPr lang="en-US" dirty="0"/>
-              <a:t>A node for each extrema found in last stage.</a:t>
-            </a:r>
-          </a:p>
-          <a:p>
-            <a:r>
-              <a:rPr lang="en-US" dirty="0"/>
-              <a:t>Weight on edge: entry of the HUGE matrix.</a:t>
-            </a:r>
+              <a:t>Do the above to every pair of fragments.</a:t>
+            </a:r>
+          </a:p>
+          <a:p>
+            <a:r>
+              <a:rPr lang="en-US" dirty="0"/>
+              <a:t>Now we are left with many paths for these pairs</a:t>
+            </a:r>
+          </a:p>
+          <a:p>
+            <a:endParaRPr lang="en-US" dirty="0"/>
           </a:p>
         </p:txBody>
       </p:sp>
     </p:spTree>
     <p:extLst>
       <p:ext uri="{BB962C8B-B14F-4D97-AF65-F5344CB8AC3E}">
-        <p14:creationId xmlns:p14="http://schemas.microsoft.com/office/powerpoint/2010/main" val="2356879318"/>
+        <p14:creationId xmlns:p14="http://schemas.microsoft.com/office/powerpoint/2010/main" val="1124249094"/>
       </p:ext>
     </p:extLst>
   </p:cSld>
@@ -5620,59 +6442,34 @@
           <a:chExt cx="0" cy="0"/>
         </a:xfrm>
       </p:grpSpPr>
-      <p:sp>
-        <p:nvSpPr>
-          <p:cNvPr id="2" name="Title 1"/>
-          <p:cNvSpPr>
-            <a:spLocks noGrp="1"/>
-          </p:cNvSpPr>
-          <p:nvPr>
-            <p:ph type="title"/>
-          </p:nvPr>
-        </p:nvSpPr>
-        <p:spPr/>
-        <p:txBody>
-          <a:bodyPr/>
-          <a:lstStyle/>
-          <a:p>
-            <a:r>
-              <a:rPr lang="en-US" dirty="0"/>
-              <a:t>5</a:t>
-            </a:r>
-            <a:r>
-              <a:rPr lang="en-US" baseline="30000" dirty="0"/>
-              <a:t>th</a:t>
-            </a:r>
-            <a:r>
-              <a:rPr lang="en-US" dirty="0"/>
-              <a:t> step: clustering</a:t>
-            </a:r>
-          </a:p>
-        </p:txBody>
-      </p:sp>
-      <p:sp>
-        <p:nvSpPr>
-          <p:cNvPr id="3" name="Content Placeholder 2"/>
-          <p:cNvSpPr>
-            <a:spLocks noGrp="1"/>
-          </p:cNvSpPr>
-          <p:nvPr>
-            <p:ph idx="1"/>
-          </p:nvPr>
-        </p:nvSpPr>
-        <p:spPr/>
-        <p:txBody>
-          <a:bodyPr/>
-          <a:lstStyle/>
-          <a:p>
-            <a:endParaRPr lang="en-US" dirty="0"/>
-          </a:p>
-        </p:txBody>
-      </p:sp>
+      <p:pic>
+        <p:nvPicPr>
+          <p:cNvPr id="5" name="Picture 4"/>
+          <p:cNvPicPr>
+            <a:picLocks noChangeAspect="1"/>
+          </p:cNvPicPr>
+          <p:nvPr/>
+        </p:nvPicPr>
+        <p:blipFill>
+          <a:blip r:embed="rId2"/>
+          <a:stretch>
+            <a:fillRect/>
+          </a:stretch>
+        </p:blipFill>
+        <p:spPr>
+          <a:xfrm>
+            <a:off x="2631989" y="-35011"/>
+            <a:ext cx="6893011" cy="6893011"/>
+          </a:xfrm>
+          <a:prstGeom prst="rect">
+            <a:avLst/>
+          </a:prstGeom>
+        </p:spPr>
+      </p:pic>
     </p:spTree>
     <p:extLst>
       <p:ext uri="{BB962C8B-B14F-4D97-AF65-F5344CB8AC3E}">
-        <p14:creationId xmlns:p14="http://schemas.microsoft.com/office/powerpoint/2010/main" val="1346066679"/>
+        <p14:creationId xmlns:p14="http://schemas.microsoft.com/office/powerpoint/2010/main" val="3294364065"/>
       </p:ext>
     </p:extLst>
   </p:cSld>

--- a/Unsupervised Pattern Discovery in Speech.pptx
+++ b/Unsupervised Pattern Discovery in Speech.pptx
@@ -130,6 +130,10 @@
 </p:presentation>
 </file>
 
+<file path=ppt/revisionInfo.xml><?xml version="1.0" encoding="utf-8"?>
+<p1510:revInfo xmlns:a="http://schemas.openxmlformats.org/drawingml/2006/main" xmlns:r="http://schemas.openxmlformats.org/officeDocument/2006/relationships" xmlns:p1510="http://schemas.microsoft.com/office/powerpoint/2015/10/main"/>
+</file>
+
 <file path=ppt/slideLayouts/slideLayout1.xml><?xml version="1.0" encoding="utf-8"?>
 <p:sldLayout xmlns:a="http://schemas.openxmlformats.org/drawingml/2006/main" xmlns:r="http://schemas.openxmlformats.org/officeDocument/2006/relationships" xmlns:p="http://schemas.openxmlformats.org/presentationml/2006/main" type="title" preserve="1">
   <p:cSld name="Title Slide">
@@ -347,7 +351,7 @@
           <a:p>
             <a:fld id="{9AB3A824-1A51-4B26-AD58-A6D8E14F6C04}" type="datetimeFigureOut">
               <a:rPr lang="en-US" dirty="0"/>
-              <a:t>6/16/2017</a:t>
+              <a:t>6/17/2017</a:t>
             </a:fld>
             <a:endParaRPr lang="en-US" dirty="0"/>
           </a:p>
@@ -681,7 +685,7 @@
           <a:p>
             <a:fld id="{D857E33E-8B18-4087-B112-809917729534}" type="datetimeFigureOut">
               <a:rPr lang="en-US" dirty="0"/>
-              <a:t>6/16/2017</a:t>
+              <a:t>6/17/2017</a:t>
             </a:fld>
             <a:endParaRPr lang="en-US" dirty="0"/>
           </a:p>
@@ -983,7 +987,7 @@
           <a:p>
             <a:fld id="{D3FFE419-2371-464F-8239-3959401C3561}" type="datetimeFigureOut">
               <a:rPr lang="en-US" dirty="0"/>
-              <a:t>6/16/2017</a:t>
+              <a:t>6/17/2017</a:t>
             </a:fld>
             <a:endParaRPr lang="en-US" dirty="0"/>
           </a:p>
@@ -1230,7 +1234,7 @@
           <a:p>
             <a:fld id="{97D162C4-EDD9-4389-A98B-B87ECEA2A816}" type="datetimeFigureOut">
               <a:rPr lang="en-US" dirty="0"/>
-              <a:t>6/16/2017</a:t>
+              <a:t>6/17/2017</a:t>
             </a:fld>
             <a:endParaRPr lang="en-US" dirty="0"/>
           </a:p>
@@ -1637,7 +1641,7 @@
           <a:p>
             <a:fld id="{3E5059C3-6A89-4494-99FF-5A4D6FFD50EB}" type="datetimeFigureOut">
               <a:rPr lang="en-US" dirty="0"/>
-              <a:t>6/16/2017</a:t>
+              <a:t>6/17/2017</a:t>
             </a:fld>
             <a:endParaRPr lang="en-US" dirty="0"/>
           </a:p>
@@ -1951,7 +1955,7 @@
           <a:p>
             <a:fld id="{CA954B2F-12DE-47F5-8894-472B206D2E1E}" type="datetimeFigureOut">
               <a:rPr lang="en-US" dirty="0"/>
-              <a:t>6/16/2017</a:t>
+              <a:t>6/17/2017</a:t>
             </a:fld>
             <a:endParaRPr lang="en-US" dirty="0"/>
           </a:p>
@@ -2495,7 +2499,7 @@
           <a:p>
             <a:fld id="{3F30E46F-7819-4ACF-B48B-48222C2ACC88}" type="datetimeFigureOut">
               <a:rPr lang="en-US" dirty="0"/>
-              <a:t>6/16/2017</a:t>
+              <a:t>6/17/2017</a:t>
             </a:fld>
             <a:endParaRPr lang="en-US" dirty="0"/>
           </a:p>
@@ -2690,7 +2694,7 @@
           <a:p>
             <a:fld id="{1FAF3416-4057-4DAA-829D-4CA07428D088}" type="datetimeFigureOut">
               <a:rPr lang="en-US" dirty="0"/>
-              <a:t>6/16/2017</a:t>
+              <a:t>6/17/2017</a:t>
             </a:fld>
             <a:endParaRPr lang="en-US" dirty="0"/>
           </a:p>
@@ -2903,7 +2907,7 @@
           <a:p>
             <a:fld id="{921D9284-D300-4297-87F7-E791DCC15DB1}" type="datetimeFigureOut">
               <a:rPr lang="en-US" dirty="0"/>
-              <a:t>6/16/2017</a:t>
+              <a:t>6/17/2017</a:t>
             </a:fld>
             <a:endParaRPr lang="en-US" dirty="0"/>
           </a:p>
@@ -3272,7 +3276,7 @@
           <a:p>
             <a:fld id="{37D525BB-DA17-4BA0-B3C8-3AC3ABC827E6}" type="datetimeFigureOut">
               <a:rPr lang="en-US" dirty="0"/>
-              <a:t>6/16/2017</a:t>
+              <a:t>6/17/2017</a:t>
             </a:fld>
             <a:endParaRPr lang="en-US" dirty="0"/>
           </a:p>
@@ -3675,7 +3679,7 @@
           <a:p>
             <a:fld id="{B16C4C9A-3960-41CF-A4E9-2A8FB932454B}" type="datetimeFigureOut">
               <a:rPr lang="en-US" dirty="0"/>
-              <a:t>6/16/2017</a:t>
+              <a:t>6/17/2017</a:t>
             </a:fld>
             <a:endParaRPr lang="en-US" dirty="0"/>
           </a:p>
@@ -4013,7 +4017,7 @@
           <a:p>
             <a:fld id="{3CBC1C18-307B-4F68-A007-B5B542270E8D}" type="datetimeFigureOut">
               <a:rPr lang="en-US" dirty="0"/>
-              <a:t>6/16/2017</a:t>
+              <a:t>6/17/2017</a:t>
             </a:fld>
             <a:endParaRPr lang="en-US" dirty="0"/>
           </a:p>
@@ -5247,7 +5251,11 @@
           <a:p>
             <a:r>
               <a:rPr lang="en-US" dirty="0"/>
-              <a:t>Implemented the whole algorithm in Python 3, using SciPy, </a:t>
+              <a:t>Implemented the algorithm in Python 3, using </a:t>
+            </a:r>
+            <a:r>
+              <a:rPr lang="en-US"/>
+              <a:t>NumPy, </a:t>
             </a:r>
             <a:r>
               <a:rPr lang="en-US" dirty="0" err="1"/>
@@ -5261,7 +5269,7 @@
           <a:p>
             <a:r>
               <a:rPr lang="en-US" dirty="0"/>
-              <a:t>With some simplifications to the original proposed algorithm.</a:t>
+              <a:t>With some simplifications to the original algorithm.</a:t>
             </a:r>
           </a:p>
         </p:txBody>
@@ -5296,8 +5304,8 @@
           <a:chExt cx="0" cy="0"/>
         </a:xfrm>
       </p:grpSpPr>
-      <mc:AlternateContent xmlns:mc="http://schemas.openxmlformats.org/markup-compatibility/2006">
-        <mc:Choice xmlns:a14="http://schemas.microsoft.com/office/drawing/2010/main" Requires="a14">
+      <mc:AlternateContent xmlns:mc="http://schemas.openxmlformats.org/markup-compatibility/2006" xmlns:a14="http://schemas.microsoft.com/office/drawing/2010/main">
+        <mc:Choice Requires="a14">
           <p:sp>
             <p:nvSpPr>
               <p:cNvPr id="2" name="Title 1"/>
@@ -5313,7 +5321,6 @@
               <a:bodyPr/>
               <a:lstStyle/>
               <a:p>
-                <a:pPr/>
                 <a14:m>
                   <m:oMath xmlns:m="http://schemas.openxmlformats.org/officeDocument/2006/math">
                     <m:r>
@@ -5332,7 +5339,7 @@
             </p:txBody>
           </p:sp>
         </mc:Choice>
-        <mc:Fallback>
+        <mc:Fallback xmlns="">
           <p:sp>
             <p:nvSpPr>
               <p:cNvPr id="2" name="Title 1"/>
@@ -5802,7 +5809,7 @@
             <a:pPr marL="349250" indent="-342900"/>
             <a:r>
               <a:rPr lang="en-US" dirty="0"/>
-              <a:t>Recurring words (actually phone clusters)</a:t>
+              <a:t>To recurring words (actually phone clusters)</a:t>
             </a:r>
           </a:p>
           <a:p>
@@ -6133,7 +6140,7 @@
           <a:p>
             <a:r>
               <a:rPr lang="en-US" dirty="0"/>
-              <a:t>Path refinement: discard part with high distortion:</a:t>
+              <a:t>Path refinement: discard the part with high distortion:</a:t>
             </a:r>
           </a:p>
           <a:p>
